--- a/programmingWindows_6.pptx
+++ b/programmingWindows_6.pptx
@@ -6,7 +6,7 @@
     <p:sldMasterId id="2147483684" r:id="rId2"/>
   </p:sldMasterIdLst>
   <p:notesMasterIdLst>
-    <p:notesMasterId r:id="rId36"/>
+    <p:notesMasterId r:id="rId37"/>
   </p:notesMasterIdLst>
   <p:sldIdLst>
     <p:sldId id="256" r:id="rId3"/>
@@ -41,7 +41,8 @@
     <p:sldId id="548" r:id="rId32"/>
     <p:sldId id="549" r:id="rId33"/>
     <p:sldId id="550" r:id="rId34"/>
-    <p:sldId id="455" r:id="rId35"/>
+    <p:sldId id="551" r:id="rId35"/>
+    <p:sldId id="455" r:id="rId36"/>
   </p:sldIdLst>
   <p:sldSz cx="12192000" cy="6858000"/>
   <p:notesSz cx="6858000" cy="9144000"/>
@@ -3587,7 +3588,7 @@
           <a:p>
             <a:fld id="{62B690D2-9F6C-4A40-B045-5871089CDE7B}" type="datetimeFigureOut">
               <a:rPr lang="zh-CN" altLang="en-US" smtClean="0"/>
-              <a:t>2018/11/15</a:t>
+              <a:t>2018/11/16</a:t>
             </a:fld>
             <a:endParaRPr lang="zh-CN" altLang="en-US"/>
           </a:p>
@@ -4045,7 +4046,7 @@
           <a:p>
             <a:fld id="{F0A08C6D-CA89-457F-88D7-56281A3E4E44}" type="datetimeFigureOut">
               <a:rPr lang="zh-CN" altLang="en-US" smtClean="0"/>
-              <a:t>2018/11/15</a:t>
+              <a:t>2018/11/16</a:t>
             </a:fld>
             <a:endParaRPr lang="zh-CN" altLang="en-US"/>
           </a:p>
@@ -7980,7 +7981,7 @@
           <p:nvPr>
             <p:extLst>
               <p:ext uri="{D42A27DB-BD31-4B8C-83A1-F6EECF244321}">
-                <p14:modId xmlns:p14="http://schemas.microsoft.com/office/powerpoint/2010/main" val="3083238074"/>
+                <p14:modId xmlns:p14="http://schemas.microsoft.com/office/powerpoint/2010/main" val="153976902"/>
               </p:ext>
             </p:extLst>
           </p:nvPr>
@@ -9162,7 +9163,7 @@
                         </a:spcAft>
                       </a:pPr>
                       <a:r>
-                        <a:rPr lang="zh-CN" altLang="en-US" sz="1400">
+                        <a:rPr lang="zh-CN" altLang="en-US" sz="1400" dirty="0" smtClean="0">
                           <a:solidFill>
                             <a:srgbClr val="000000"/>
                           </a:solidFill>
@@ -9170,9 +9171,20 @@
                           <a:latin typeface="宋体" panose="02010600030101010101" pitchFamily="2" charset="-122"/>
                           <a:ea typeface="宋体" panose="02010600030101010101" pitchFamily="2" charset="-122"/>
                         </a:rPr>
-                        <a:t>同用标准，应用广泛</a:t>
+                        <a:t>商用</a:t>
                       </a:r>
-                      <a:endParaRPr lang="zh-CN" altLang="en-US" sz="1400">
+                      <a:r>
+                        <a:rPr lang="zh-CN" altLang="en-US" sz="1400" dirty="0">
+                          <a:solidFill>
+                            <a:srgbClr val="000000"/>
+                          </a:solidFill>
+                          <a:effectLst/>
+                          <a:latin typeface="宋体" panose="02010600030101010101" pitchFamily="2" charset="-122"/>
+                          <a:ea typeface="宋体" panose="02010600030101010101" pitchFamily="2" charset="-122"/>
+                        </a:rPr>
+                        <a:t>标准，应用广泛</a:t>
+                      </a:r>
+                      <a:endParaRPr lang="zh-CN" altLang="en-US" sz="1400" dirty="0">
                         <a:effectLst/>
                       </a:endParaRPr>
                     </a:p>
@@ -10473,6 +10485,13 @@
   <p:clrMapOvr>
     <a:masterClrMapping/>
   </p:clrMapOvr>
+  <p:timing>
+    <p:tnLst>
+      <p:par>
+        <p:cTn id="1" dur="indefinite" restart="never" nodeType="tmRoot"/>
+      </p:par>
+    </p:tnLst>
+  </p:timing>
 </p:sld>
 </file>
 
@@ -13623,7 +13642,7 @@
           <a:graphicData uri="http://schemas.openxmlformats.org/presentationml/2006/ole">
             <mc:AlternateContent xmlns:mc="http://schemas.openxmlformats.org/markup-compatibility/2006">
               <mc:Choice xmlns:v="urn:schemas-microsoft-com:vml" Requires="v">
-                <p:oleObj spid="_x0000_s1032" name="Visio" r:id="rId3" imgW="4066845" imgH="2446550" progId="Visio.Drawing.11">
+                <p:oleObj spid="_x0000_s1041" name="Visio" r:id="rId3" imgW="4066845" imgH="2446550" progId="Visio.Drawing.11">
                   <p:embed/>
                 </p:oleObj>
               </mc:Choice>
@@ -20414,13 +20433,13 @@
         </p:nvSpPr>
         <p:spPr>
           <a:xfrm>
-            <a:off x="409904" y="1236453"/>
-            <a:ext cx="9543993" cy="5399478"/>
+            <a:off x="1586770" y="1244919"/>
+            <a:ext cx="9529963" cy="4707147"/>
           </a:xfrm>
         </p:spPr>
         <p:txBody>
           <a:bodyPr>
-            <a:normAutofit fontScale="40000" lnSpcReduction="20000"/>
+            <a:normAutofit fontScale="62500" lnSpcReduction="20000"/>
           </a:bodyPr>
           <a:lstStyle/>
           <a:p>
@@ -20430,33 +20449,78 @@
               </a:lnSpc>
             </a:pPr>
             <a:r>
-              <a:rPr lang="zh-CN" altLang="en-US" sz="6000" dirty="0"/>
-              <a:t>简单的说，数据库（英文</a:t>
-            </a:r>
-            <a:r>
-              <a:rPr lang="en-US" altLang="zh-CN" sz="6000" dirty="0" err="1"/>
-              <a:t>Dtabase</a:t>
-            </a:r>
-            <a:r>
-              <a:rPr lang="zh-CN" altLang="en-US" sz="6000" dirty="0"/>
-              <a:t>）就是一个存放数据的仓库，这个仓库是按照一定的数据结果（数据结构是指数据的组织形式或数据之间的联系）来组织、存储的、我们可以通过数据库提供的多种方法来管理数据库里的数据更简单的形象理解，数据库和我们生活中存放杂物的仓库性质一样，区别只是存放的东西不同</a:t>
-            </a:r>
-            <a:r>
               <a:rPr lang="zh-CN" altLang="en-US" sz="6000" dirty="0" smtClean="0"/>
-              <a:t>。</a:t>
+              <a:t>数据库（</a:t>
+            </a:r>
+            <a:r>
+              <a:rPr lang="en-US" altLang="zh-CN" sz="6000" dirty="0" smtClean="0"/>
+              <a:t>Database</a:t>
+            </a:r>
+            <a:r>
+              <a:rPr lang="zh-CN" altLang="en-US" sz="6000" dirty="0" smtClean="0"/>
+              <a:t>）</a:t>
             </a:r>
             <a:endParaRPr lang="en-US" altLang="zh-CN" sz="6000" dirty="0" smtClean="0"/>
           </a:p>
           <a:p>
-            <a:pPr>
+            <a:pPr lvl="1">
               <a:lnSpc>
                 <a:spcPct val="125000"/>
               </a:lnSpc>
             </a:pPr>
-            <a:endParaRPr lang="en-US" altLang="zh-CN" sz="6000" dirty="0" smtClean="0">
-              <a:latin typeface="微软雅黑" panose="020B0503020204020204" pitchFamily="34" charset="-122"/>
-              <a:ea typeface="微软雅黑" panose="020B0503020204020204" pitchFamily="34" charset="-122"/>
-            </a:endParaRPr>
+            <a:r>
+              <a:rPr lang="zh-CN" altLang="en-US" sz="2600" dirty="0"/>
+              <a:t>存放数据的仓库</a:t>
+            </a:r>
+            <a:r>
+              <a:rPr lang="zh-CN" altLang="en-US" sz="2600" dirty="0"/>
+              <a:t>，按照</a:t>
+            </a:r>
+            <a:r>
+              <a:rPr lang="zh-CN" altLang="en-US" sz="2600" dirty="0"/>
+              <a:t>一定的</a:t>
+            </a:r>
+            <a:r>
+              <a:rPr lang="zh-CN" altLang="en-US" sz="2600" dirty="0"/>
+              <a:t>数据</a:t>
+            </a:r>
+            <a:r>
+              <a:rPr lang="zh-CN" altLang="en-US" sz="2600" dirty="0"/>
+              <a:t>结构</a:t>
+            </a:r>
+            <a:r>
+              <a:rPr lang="zh-CN" altLang="en-US" sz="2600" dirty="0" smtClean="0"/>
+              <a:t>（数据</a:t>
+            </a:r>
+            <a:r>
+              <a:rPr lang="zh-CN" altLang="en-US" sz="2600" dirty="0"/>
+              <a:t>的组织形式或数据之间的联系）来组织、</a:t>
+            </a:r>
+            <a:r>
+              <a:rPr lang="zh-CN" altLang="en-US" sz="2600" dirty="0" smtClean="0"/>
+              <a:t>存储数据</a:t>
+            </a:r>
+            <a:endParaRPr lang="en-US" altLang="zh-CN" sz="2600" dirty="0"/>
+          </a:p>
+          <a:p>
+            <a:pPr lvl="1">
+              <a:lnSpc>
+                <a:spcPct val="125000"/>
+              </a:lnSpc>
+            </a:pPr>
+            <a:r>
+              <a:rPr lang="zh-CN" altLang="en-US" sz="2600" dirty="0"/>
+              <a:t>可以</a:t>
+            </a:r>
+            <a:r>
+              <a:rPr lang="zh-CN" altLang="en-US" sz="2600" dirty="0"/>
+              <a:t>通过数据库提供的多种方法来管理数据库里的</a:t>
+            </a:r>
+            <a:r>
+              <a:rPr lang="zh-CN" altLang="en-US" sz="2600" dirty="0" smtClean="0"/>
+              <a:t>数据</a:t>
+            </a:r>
+            <a:endParaRPr lang="en-US" altLang="zh-CN" sz="2600" dirty="0" smtClean="0"/>
           </a:p>
           <a:p>
             <a:pPr>
@@ -21315,6 +21379,220 @@
 </file>
 
 <file path=ppt/slides/slide33.xml><?xml version="1.0" encoding="utf-8"?>
+<p:sld xmlns:a="http://schemas.openxmlformats.org/drawingml/2006/main" xmlns:r="http://schemas.openxmlformats.org/officeDocument/2006/relationships" xmlns:p="http://schemas.openxmlformats.org/presentationml/2006/main">
+  <p:cSld>
+    <p:spTree>
+      <p:nvGrpSpPr>
+        <p:cNvPr id="1" name=""/>
+        <p:cNvGrpSpPr/>
+        <p:nvPr/>
+      </p:nvGrpSpPr>
+      <p:grpSpPr>
+        <a:xfrm>
+          <a:off x="0" y="0"/>
+          <a:ext cx="0" cy="0"/>
+          <a:chOff x="0" y="0"/>
+          <a:chExt cx="0" cy="0"/>
+        </a:xfrm>
+      </p:grpSpPr>
+      <p:sp>
+        <p:nvSpPr>
+          <p:cNvPr id="2" name="标题 1"/>
+          <p:cNvSpPr>
+            <a:spLocks noGrp="1"/>
+          </p:cNvSpPr>
+          <p:nvPr>
+            <p:ph type="title"/>
+          </p:nvPr>
+        </p:nvSpPr>
+        <p:spPr/>
+        <p:txBody>
+          <a:bodyPr/>
+          <a:lstStyle/>
+          <a:p>
+            <a:r>
+              <a:rPr lang="zh-CN" altLang="en-US" dirty="0" smtClean="0"/>
+              <a:t>考试</a:t>
+            </a:r>
+            <a:endParaRPr lang="zh-CN" altLang="en-US" dirty="0"/>
+          </a:p>
+        </p:txBody>
+      </p:sp>
+      <p:sp>
+        <p:nvSpPr>
+          <p:cNvPr id="3" name="内容占位符 2"/>
+          <p:cNvSpPr>
+            <a:spLocks noGrp="1"/>
+          </p:cNvSpPr>
+          <p:nvPr>
+            <p:ph idx="1"/>
+          </p:nvPr>
+        </p:nvSpPr>
+        <p:spPr>
+          <a:xfrm>
+            <a:off x="1439333" y="1690689"/>
+            <a:ext cx="9812868" cy="4351338"/>
+          </a:xfrm>
+        </p:spPr>
+        <p:txBody>
+          <a:bodyPr/>
+          <a:lstStyle/>
+          <a:p>
+            <a:r>
+              <a:rPr lang="zh-CN" altLang="en-US" dirty="0" smtClean="0"/>
+              <a:t> 理论课开卷考试 </a:t>
+            </a:r>
+            <a:endParaRPr lang="en-US" altLang="zh-CN" dirty="0" smtClean="0"/>
+          </a:p>
+          <a:p>
+            <a:pPr lvl="1"/>
+            <a:r>
+              <a:rPr lang="en-US" altLang="zh-CN" dirty="0"/>
+              <a:t>12</a:t>
+            </a:r>
+            <a:r>
+              <a:rPr lang="zh-CN" altLang="en-US" dirty="0"/>
+              <a:t>月</a:t>
+            </a:r>
+            <a:r>
+              <a:rPr lang="en-US" altLang="zh-CN" dirty="0"/>
+              <a:t>26</a:t>
+            </a:r>
+            <a:r>
+              <a:rPr lang="zh-CN" altLang="en-US" dirty="0"/>
+              <a:t>日 星期天 </a:t>
+            </a:r>
+            <a:r>
+              <a:rPr lang="zh-CN" altLang="en-US" dirty="0" smtClean="0"/>
+              <a:t>晚</a:t>
+            </a:r>
+            <a:endParaRPr lang="en-US" altLang="zh-CN" dirty="0" smtClean="0"/>
+          </a:p>
+          <a:p>
+            <a:pPr lvl="1"/>
+            <a:r>
+              <a:rPr lang="zh-CN" altLang="en-US" dirty="0" smtClean="0"/>
+              <a:t>地点</a:t>
+            </a:r>
+            <a:r>
+              <a:rPr lang="zh-CN" altLang="en-US" dirty="0"/>
+              <a:t>等待教务通知</a:t>
+            </a:r>
+            <a:endParaRPr lang="en-US" altLang="zh-CN" dirty="0"/>
+          </a:p>
+          <a:p>
+            <a:endParaRPr lang="en-US" altLang="zh-CN" dirty="0" smtClean="0"/>
+          </a:p>
+          <a:p>
+            <a:r>
+              <a:rPr lang="zh-CN" altLang="en-US" dirty="0" smtClean="0"/>
+              <a:t> 实验课考试为提交课程设计</a:t>
+            </a:r>
+            <a:endParaRPr lang="en-US" altLang="zh-CN" dirty="0" smtClean="0"/>
+          </a:p>
+          <a:p>
+            <a:pPr lvl="1"/>
+            <a:r>
+              <a:rPr lang="zh-CN" altLang="en-US" dirty="0"/>
+              <a:t>最后的题目要求已经上传至 </a:t>
+            </a:r>
+            <a:r>
+              <a:rPr lang="en-US" altLang="zh-CN" dirty="0" err="1" smtClean="0"/>
+              <a:t>github</a:t>
+            </a:r>
+            <a:endParaRPr lang="en-US" altLang="zh-CN" dirty="0" smtClean="0"/>
+          </a:p>
+          <a:p>
+            <a:pPr lvl="1"/>
+            <a:r>
+              <a:rPr lang="zh-CN" altLang="en-US" dirty="0" smtClean="0"/>
+              <a:t>课程</a:t>
+            </a:r>
+            <a:r>
+              <a:rPr lang="zh-CN" altLang="en-US" dirty="0"/>
+              <a:t>设计提交截至日期 </a:t>
+            </a:r>
+            <a:r>
+              <a:rPr lang="en-US" altLang="zh-CN" dirty="0"/>
+              <a:t>2018</a:t>
+            </a:r>
+            <a:r>
+              <a:rPr lang="zh-CN" altLang="en-US" dirty="0"/>
+              <a:t>年</a:t>
+            </a:r>
+            <a:r>
+              <a:rPr lang="en-US" altLang="zh-CN" dirty="0"/>
+              <a:t>12</a:t>
+            </a:r>
+            <a:r>
+              <a:rPr lang="zh-CN" altLang="en-US" dirty="0"/>
+              <a:t>月</a:t>
+            </a:r>
+            <a:r>
+              <a:rPr lang="en-US" altLang="zh-CN" dirty="0"/>
+              <a:t>26</a:t>
+            </a:r>
+            <a:r>
+              <a:rPr lang="zh-CN" altLang="en-US" dirty="0"/>
+              <a:t>日</a:t>
+            </a:r>
+            <a:endParaRPr lang="en-US" altLang="zh-CN" dirty="0"/>
+          </a:p>
+          <a:p>
+            <a:pPr lvl="1"/>
+            <a:r>
+              <a:rPr lang="zh-CN" altLang="en-US" dirty="0" smtClean="0"/>
+              <a:t>严格按照</a:t>
+            </a:r>
+            <a:r>
+              <a:rPr lang="en-US" altLang="zh-CN" dirty="0" smtClean="0"/>
+              <a:t>《</a:t>
+            </a:r>
+            <a:r>
+              <a:rPr lang="zh-CN" altLang="en-US" dirty="0" smtClean="0"/>
+              <a:t>武汉</a:t>
+            </a:r>
+            <a:r>
+              <a:rPr lang="zh-CN" altLang="en-US" dirty="0"/>
+              <a:t>大学计算机学院课程设计报告书写</a:t>
+            </a:r>
+            <a:r>
+              <a:rPr lang="zh-CN" altLang="en-US" dirty="0" smtClean="0"/>
+              <a:t>规范</a:t>
+            </a:r>
+            <a:r>
+              <a:rPr lang="en-US" altLang="zh-CN" dirty="0" smtClean="0"/>
+              <a:t>》</a:t>
+            </a:r>
+            <a:r>
+              <a:rPr lang="zh-CN" altLang="en-US" dirty="0" smtClean="0"/>
+              <a:t>书写</a:t>
+            </a:r>
+            <a:endParaRPr lang="en-US" altLang="zh-CN" dirty="0" smtClean="0"/>
+          </a:p>
+          <a:p>
+            <a:pPr lvl="1"/>
+            <a:endParaRPr lang="en-US" altLang="zh-CN" dirty="0"/>
+          </a:p>
+          <a:p>
+            <a:endParaRPr lang="zh-CN" altLang="en-US" dirty="0"/>
+          </a:p>
+        </p:txBody>
+      </p:sp>
+    </p:spTree>
+    <p:extLst>
+      <p:ext uri="{BB962C8B-B14F-4D97-AF65-F5344CB8AC3E}">
+        <p14:creationId xmlns:p14="http://schemas.microsoft.com/office/powerpoint/2010/main" val="646665395"/>
+      </p:ext>
+    </p:extLst>
+  </p:cSld>
+  <p:clrMapOvr>
+    <a:masterClrMapping/>
+  </p:clrMapOvr>
+</p:sld>
+</file>
+
+<file path=ppt/slides/slide34.xml><?xml version="1.0" encoding="utf-8"?>
 <p:sld xmlns:a="http://schemas.openxmlformats.org/drawingml/2006/main" xmlns:r="http://schemas.openxmlformats.org/officeDocument/2006/relationships" xmlns:p="http://schemas.openxmlformats.org/presentationml/2006/main">
   <p:cSld>
     <p:spTree>
@@ -21925,15 +22203,7 @@
             </a:r>
             <a:r>
               <a:rPr lang="zh-CN" altLang="en-US" smtClean="0"/>
-              <a:t>被</a:t>
-            </a:r>
-            <a:r>
-              <a:rPr lang="zh-CN" altLang="en-US" smtClean="0"/>
-              <a:t>称</a:t>
-            </a:r>
-            <a:r>
-              <a:rPr lang="zh-CN" altLang="en-US" smtClean="0"/>
-              <a:t>为</a:t>
+              <a:t>被称为</a:t>
             </a:r>
             <a:r>
               <a:rPr lang="en-US" altLang="zh-CN" dirty="0"/>
@@ -22331,8 +22601,8 @@
               </a:lnSpc>
             </a:pPr>
             <a:r>
-              <a:rPr lang="en-US" altLang="zh-CN" dirty="0" err="1"/>
-              <a:t>Memcaced</a:t>
+              <a:rPr lang="en-US" altLang="zh-CN" dirty="0" err="1" smtClean="0"/>
+              <a:t>Memcached</a:t>
             </a:r>
             <a:r>
               <a:rPr lang="zh-CN" altLang="en-US" dirty="0"/>
@@ -22632,12 +22902,12 @@
               <a:t>存储（</a:t>
             </a:r>
             <a:r>
-              <a:rPr lang="en-US" altLang="zh-CN" dirty="0"/>
+              <a:rPr lang="en-US" altLang="zh-CN" dirty="0" smtClean="0"/>
               <a:t>Column-</a:t>
             </a:r>
             <a:r>
-              <a:rPr lang="en-US" altLang="zh-CN" dirty="0" err="1"/>
-              <a:t>oriedted</a:t>
+              <a:rPr lang="en-US" altLang="zh-CN" dirty="0" err="1" smtClean="0"/>
+              <a:t>oriendted</a:t>
             </a:r>
             <a:r>
               <a:rPr lang="zh-CN" altLang="en-US" dirty="0"/>
@@ -22870,7 +23140,15 @@
             </a:pPr>
             <a:r>
               <a:rPr lang="zh-CN" altLang="en-US" dirty="0"/>
-              <a:t>面向文档数据库会将以文档的形式存储。每个文档都是自包含的数据单元，是一系列数据项的集合。每个数据项都有一个名称与对应的值，值既可以是简单的数据类型，如字符串、数字和日期等；也可以是复杂的类型，如有序列表和关系对象。数据存储的最小单位是文档，同一个表中存储的文档属性可以是不同的，数据可以使用</a:t>
+              <a:t>面向文档</a:t>
+            </a:r>
+            <a:r>
+              <a:rPr lang="zh-CN" altLang="en-US" dirty="0" smtClean="0"/>
+              <a:t>数据库以</a:t>
+            </a:r>
+            <a:r>
+              <a:rPr lang="zh-CN" altLang="en-US" dirty="0"/>
+              <a:t>文档的形式存储。每个文档都是自包含的数据单元，是一系列数据项的集合。每个数据项都有一个名称与对应的值，值既可以是简单的数据类型，如字符串、数字和日期等；也可以是复杂的类型，如有序列表和关系对象。数据存储的最小单位是文档，同一个表中存储的文档属性可以是不同的，数据可以使用</a:t>
             </a:r>
             <a:r>
               <a:rPr lang="en-US" altLang="zh-CN" dirty="0"/>

--- a/programmingWindows_6.pptx
+++ b/programmingWindows_6.pptx
@@ -13642,7 +13642,7 @@
           <a:graphicData uri="http://schemas.openxmlformats.org/presentationml/2006/ole">
             <mc:AlternateContent xmlns:mc="http://schemas.openxmlformats.org/markup-compatibility/2006">
               <mc:Choice xmlns:v="urn:schemas-microsoft-com:vml" Requires="v">
-                <p:oleObj spid="_x0000_s1041" name="Visio" r:id="rId3" imgW="4066845" imgH="2446550" progId="Visio.Drawing.11">
+                <p:oleObj spid="_x0000_s1042" name="Visio" r:id="rId3" imgW="4066845" imgH="2446550" progId="Visio.Drawing.11">
                   <p:embed/>
                 </p:oleObj>
               </mc:Choice>
@@ -20470,23 +20470,7 @@
             </a:pPr>
             <a:r>
               <a:rPr lang="zh-CN" altLang="en-US" sz="2600" dirty="0"/>
-              <a:t>存放数据的仓库</a:t>
-            </a:r>
-            <a:r>
-              <a:rPr lang="zh-CN" altLang="en-US" sz="2600" dirty="0"/>
-              <a:t>，按照</a:t>
-            </a:r>
-            <a:r>
-              <a:rPr lang="zh-CN" altLang="en-US" sz="2600" dirty="0"/>
-              <a:t>一定的</a:t>
-            </a:r>
-            <a:r>
-              <a:rPr lang="zh-CN" altLang="en-US" sz="2600" dirty="0"/>
-              <a:t>数据</a:t>
-            </a:r>
-            <a:r>
-              <a:rPr lang="zh-CN" altLang="en-US" sz="2600" dirty="0"/>
-              <a:t>结构</a:t>
+              <a:t>存放数据的仓库，按照一定的数据结构</a:t>
             </a:r>
             <a:r>
               <a:rPr lang="zh-CN" altLang="en-US" sz="2600" dirty="0" smtClean="0"/>
@@ -20510,11 +20494,7 @@
             </a:pPr>
             <a:r>
               <a:rPr lang="zh-CN" altLang="en-US" sz="2600" dirty="0"/>
-              <a:t>可以</a:t>
-            </a:r>
-            <a:r>
-              <a:rPr lang="zh-CN" altLang="en-US" sz="2600" dirty="0"/>
-              <a:t>通过数据库提供的多种方法来管理数据库里的</a:t>
+              <a:t>可以通过数据库提供的多种方法来管理数据库里的</a:t>
             </a:r>
             <a:r>
               <a:rPr lang="zh-CN" altLang="en-US" sz="2600" dirty="0" smtClean="0"/>
@@ -21451,12 +21431,16 @@
               <a:t>12</a:t>
             </a:r>
             <a:r>
-              <a:rPr lang="zh-CN" altLang="en-US" dirty="0"/>
+              <a:rPr lang="zh-CN" altLang="en-US" dirty="0" smtClean="0"/>
               <a:t>月</a:t>
             </a:r>
             <a:r>
               <a:rPr lang="en-US" altLang="zh-CN" dirty="0"/>
-              <a:t>26</a:t>
+              <a:t>1</a:t>
+            </a:r>
+            <a:r>
+              <a:rPr lang="en-US" altLang="zh-CN" dirty="0" smtClean="0"/>
+              <a:t>6</a:t>
             </a:r>
             <a:r>
               <a:rPr lang="zh-CN" altLang="en-US" dirty="0"/>
@@ -21525,12 +21509,16 @@
               <a:t>12</a:t>
             </a:r>
             <a:r>
-              <a:rPr lang="zh-CN" altLang="en-US" dirty="0"/>
+              <a:rPr lang="zh-CN" altLang="en-US" dirty="0" smtClean="0"/>
               <a:t>月</a:t>
             </a:r>
             <a:r>
               <a:rPr lang="en-US" altLang="zh-CN" dirty="0"/>
-              <a:t>26</a:t>
+              <a:t>1</a:t>
+            </a:r>
+            <a:r>
+              <a:rPr lang="en-US" altLang="zh-CN" dirty="0" smtClean="0"/>
+              <a:t>6</a:t>
             </a:r>
             <a:r>
               <a:rPr lang="zh-CN" altLang="en-US" dirty="0"/>
